--- a/BeyondTheBox.pptx
+++ b/BeyondTheBox.pptx
@@ -6,6 +6,10 @@
   </p:sldMasterIdLst>
   <p:sldIdLst>
     <p:sldId id="256" r:id="rId2"/>
+    <p:sldId id="257" r:id="rId3"/>
+    <p:sldId id="259" r:id="rId4"/>
+    <p:sldId id="258" r:id="rId5"/>
+    <p:sldId id="260" r:id="rId6"/>
   </p:sldIdLst>
   <p:sldSz cx="12192000" cy="6858000"/>
   <p:notesSz cx="6858000" cy="9144000"/>
@@ -243,7 +247,7 @@
           <a:p>
             <a:fld id="{D977DCE1-5089-43E7-BB0B-161CD558F4F8}" type="datetimeFigureOut">
               <a:rPr lang="en-US" smtClean="0"/>
-              <a:t>08 Jun 2014</a:t>
+              <a:t>08 Jul 2014</a:t>
             </a:fld>
             <a:endParaRPr lang="en-US"/>
           </a:p>
@@ -413,7 +417,7 @@
           <a:p>
             <a:fld id="{D977DCE1-5089-43E7-BB0B-161CD558F4F8}" type="datetimeFigureOut">
               <a:rPr lang="en-US" smtClean="0"/>
-              <a:t>08 Jun 2014</a:t>
+              <a:t>08 Jul 2014</a:t>
             </a:fld>
             <a:endParaRPr lang="en-US"/>
           </a:p>
@@ -593,7 +597,7 @@
           <a:p>
             <a:fld id="{D977DCE1-5089-43E7-BB0B-161CD558F4F8}" type="datetimeFigureOut">
               <a:rPr lang="en-US" smtClean="0"/>
-              <a:t>08 Jun 2014</a:t>
+              <a:t>08 Jul 2014</a:t>
             </a:fld>
             <a:endParaRPr lang="en-US"/>
           </a:p>
@@ -763,7 +767,7 @@
           <a:p>
             <a:fld id="{D977DCE1-5089-43E7-BB0B-161CD558F4F8}" type="datetimeFigureOut">
               <a:rPr lang="en-US" smtClean="0"/>
-              <a:t>08 Jun 2014</a:t>
+              <a:t>08 Jul 2014</a:t>
             </a:fld>
             <a:endParaRPr lang="en-US"/>
           </a:p>
@@ -1009,7 +1013,7 @@
           <a:p>
             <a:fld id="{D977DCE1-5089-43E7-BB0B-161CD558F4F8}" type="datetimeFigureOut">
               <a:rPr lang="en-US" smtClean="0"/>
-              <a:t>08 Jun 2014</a:t>
+              <a:t>08 Jul 2014</a:t>
             </a:fld>
             <a:endParaRPr lang="en-US"/>
           </a:p>
@@ -1241,7 +1245,7 @@
           <a:p>
             <a:fld id="{D977DCE1-5089-43E7-BB0B-161CD558F4F8}" type="datetimeFigureOut">
               <a:rPr lang="en-US" smtClean="0"/>
-              <a:t>08 Jun 2014</a:t>
+              <a:t>08 Jul 2014</a:t>
             </a:fld>
             <a:endParaRPr lang="en-US"/>
           </a:p>
@@ -1608,7 +1612,7 @@
           <a:p>
             <a:fld id="{D977DCE1-5089-43E7-BB0B-161CD558F4F8}" type="datetimeFigureOut">
               <a:rPr lang="en-US" smtClean="0"/>
-              <a:t>08 Jun 2014</a:t>
+              <a:t>08 Jul 2014</a:t>
             </a:fld>
             <a:endParaRPr lang="en-US"/>
           </a:p>
@@ -1726,7 +1730,7 @@
           <a:p>
             <a:fld id="{D977DCE1-5089-43E7-BB0B-161CD558F4F8}" type="datetimeFigureOut">
               <a:rPr lang="en-US" smtClean="0"/>
-              <a:t>08 Jun 2014</a:t>
+              <a:t>08 Jul 2014</a:t>
             </a:fld>
             <a:endParaRPr lang="en-US"/>
           </a:p>
@@ -1821,7 +1825,7 @@
           <a:p>
             <a:fld id="{D977DCE1-5089-43E7-BB0B-161CD558F4F8}" type="datetimeFigureOut">
               <a:rPr lang="en-US" smtClean="0"/>
-              <a:t>08 Jun 2014</a:t>
+              <a:t>08 Jul 2014</a:t>
             </a:fld>
             <a:endParaRPr lang="en-US"/>
           </a:p>
@@ -2098,7 +2102,7 @@
           <a:p>
             <a:fld id="{D977DCE1-5089-43E7-BB0B-161CD558F4F8}" type="datetimeFigureOut">
               <a:rPr lang="en-US" smtClean="0"/>
-              <a:t>08 Jun 2014</a:t>
+              <a:t>08 Jul 2014</a:t>
             </a:fld>
             <a:endParaRPr lang="en-US"/>
           </a:p>
@@ -2355,7 +2359,7 @@
           <a:p>
             <a:fld id="{D977DCE1-5089-43E7-BB0B-161CD558F4F8}" type="datetimeFigureOut">
               <a:rPr lang="en-US" smtClean="0"/>
-              <a:t>08 Jun 2014</a:t>
+              <a:t>08 Jul 2014</a:t>
             </a:fld>
             <a:endParaRPr lang="en-US"/>
           </a:p>
@@ -2568,7 +2572,7 @@
           <a:p>
             <a:fld id="{D977DCE1-5089-43E7-BB0B-161CD558F4F8}" type="datetimeFigureOut">
               <a:rPr lang="en-US" smtClean="0"/>
-              <a:t>08 Jun 2014</a:t>
+              <a:t>08 Jul 2014</a:t>
             </a:fld>
             <a:endParaRPr lang="en-US"/>
           </a:p>
@@ -2994,20 +2998,12 @@
               <a:rPr lang="en-US" sz="7200" dirty="0" smtClean="0"/>
               <a:t>Beyond the Box: </a:t>
             </a:r>
-            <a:r>
-              <a:rPr lang="en-US" sz="7200" dirty="0" smtClean="0"/>
-              <a:t/>
-            </a:r>
             <a:br>
               <a:rPr lang="en-US" sz="7200" dirty="0" smtClean="0"/>
             </a:br>
             <a:r>
               <a:rPr lang="en-US" sz="7200" dirty="0" smtClean="0"/>
-              <a:t>Distributed </a:t>
-            </a:r>
-            <a:r>
-              <a:rPr lang="en-US" sz="7200" dirty="0" smtClean="0"/>
-              <a:t>Computing with </a:t>
+              <a:t>Distributed Computing with </a:t>
             </a:r>
             <a:r>
               <a:rPr lang="en-US" sz="7200" dirty="0" err="1" smtClean="0"/>
@@ -3048,6 +3044,386 @@
     <p:extLst>
       <p:ext uri="{BB962C8B-B14F-4D97-AF65-F5344CB8AC3E}">
         <p14:creationId xmlns:p14="http://schemas.microsoft.com/office/powerpoint/2010/main" val="2095865110"/>
+      </p:ext>
+    </p:extLst>
+  </p:cSld>
+  <p:clrMapOvr>
+    <a:masterClrMapping/>
+  </p:clrMapOvr>
+  <p:timing>
+    <p:tnLst>
+      <p:par>
+        <p:cTn id="1" dur="indefinite" restart="never" nodeType="tmRoot"/>
+      </p:par>
+    </p:tnLst>
+  </p:timing>
+</p:sld>
+</file>
+
+<file path=ppt/slides/slide2.xml><?xml version="1.0" encoding="utf-8"?>
+<p:sld xmlns:a="http://schemas.openxmlformats.org/drawingml/2006/main" xmlns:r="http://schemas.openxmlformats.org/officeDocument/2006/relationships" xmlns:p="http://schemas.openxmlformats.org/presentationml/2006/main">
+  <p:cSld>
+    <p:spTree>
+      <p:nvGrpSpPr>
+        <p:cNvPr id="1" name=""/>
+        <p:cNvGrpSpPr/>
+        <p:nvPr/>
+      </p:nvGrpSpPr>
+      <p:grpSpPr>
+        <a:xfrm>
+          <a:off x="0" y="0"/>
+          <a:ext cx="0" cy="0"/>
+          <a:chOff x="0" y="0"/>
+          <a:chExt cx="0" cy="0"/>
+        </a:xfrm>
+      </p:grpSpPr>
+      <p:sp>
+        <p:nvSpPr>
+          <p:cNvPr id="2" name="Title 1"/>
+          <p:cNvSpPr>
+            <a:spLocks noGrp="1"/>
+          </p:cNvSpPr>
+          <p:nvPr>
+            <p:ph type="title"/>
+          </p:nvPr>
+        </p:nvSpPr>
+        <p:spPr/>
+        <p:txBody>
+          <a:bodyPr/>
+          <a:lstStyle/>
+          <a:p>
+            <a:r>
+              <a:rPr lang="en-US" dirty="0" smtClean="0"/>
+              <a:t>Data Flow: </a:t>
+            </a:r>
+            <a:r>
+              <a:rPr lang="en-US" dirty="0" err="1" smtClean="0"/>
+              <a:t>tickz</a:t>
+            </a:r>
+            <a:endParaRPr lang="en-US" dirty="0"/>
+          </a:p>
+        </p:txBody>
+      </p:sp>
+      <p:sp>
+        <p:nvSpPr>
+          <p:cNvPr id="3" name="Picture Placeholder 2"/>
+          <p:cNvSpPr>
+            <a:spLocks noGrp="1"/>
+          </p:cNvSpPr>
+          <p:nvPr>
+            <p:ph type="pic" idx="1"/>
+          </p:nvPr>
+        </p:nvSpPr>
+        <p:spPr/>
+      </p:sp>
+      <p:sp>
+        <p:nvSpPr>
+          <p:cNvPr id="4" name="Text Placeholder 3"/>
+          <p:cNvSpPr>
+            <a:spLocks noGrp="1"/>
+          </p:cNvSpPr>
+          <p:nvPr>
+            <p:ph type="body" sz="half" idx="2"/>
+          </p:nvPr>
+        </p:nvSpPr>
+        <p:spPr/>
+        <p:txBody>
+          <a:bodyPr/>
+          <a:lstStyle/>
+          <a:p>
+            <a:endParaRPr lang="en-US"/>
+          </a:p>
+        </p:txBody>
+      </p:sp>
+    </p:spTree>
+    <p:extLst>
+      <p:ext uri="{BB962C8B-B14F-4D97-AF65-F5344CB8AC3E}">
+        <p14:creationId xmlns:p14="http://schemas.microsoft.com/office/powerpoint/2010/main" val="1580563161"/>
+      </p:ext>
+    </p:extLst>
+  </p:cSld>
+  <p:clrMapOvr>
+    <a:masterClrMapping/>
+  </p:clrMapOvr>
+  <p:timing>
+    <p:tnLst>
+      <p:par>
+        <p:cTn id="1" dur="indefinite" restart="never" nodeType="tmRoot"/>
+      </p:par>
+    </p:tnLst>
+  </p:timing>
+</p:sld>
+</file>
+
+<file path=ppt/slides/slide3.xml><?xml version="1.0" encoding="utf-8"?>
+<p:sld xmlns:a="http://schemas.openxmlformats.org/drawingml/2006/main" xmlns:r="http://schemas.openxmlformats.org/officeDocument/2006/relationships" xmlns:p="http://schemas.openxmlformats.org/presentationml/2006/main">
+  <p:cSld>
+    <p:spTree>
+      <p:nvGrpSpPr>
+        <p:cNvPr id="1" name=""/>
+        <p:cNvGrpSpPr/>
+        <p:nvPr/>
+      </p:nvGrpSpPr>
+      <p:grpSpPr>
+        <a:xfrm>
+          <a:off x="0" y="0"/>
+          <a:ext cx="0" cy="0"/>
+          <a:chOff x="0" y="0"/>
+          <a:chExt cx="0" cy="0"/>
+        </a:xfrm>
+      </p:grpSpPr>
+      <p:sp>
+        <p:nvSpPr>
+          <p:cNvPr id="2" name="Title 1"/>
+          <p:cNvSpPr>
+            <a:spLocks noGrp="1"/>
+          </p:cNvSpPr>
+          <p:nvPr>
+            <p:ph type="title"/>
+          </p:nvPr>
+        </p:nvSpPr>
+        <p:spPr/>
+        <p:txBody>
+          <a:bodyPr/>
+          <a:lstStyle/>
+          <a:p>
+            <a:r>
+              <a:rPr lang="en-US" dirty="0" smtClean="0"/>
+              <a:t>Data Flow: </a:t>
+            </a:r>
+            <a:r>
+              <a:rPr lang="en-US" dirty="0" err="1" smtClean="0"/>
+              <a:t>chatz</a:t>
+            </a:r>
+            <a:endParaRPr lang="en-US" dirty="0"/>
+          </a:p>
+        </p:txBody>
+      </p:sp>
+      <p:sp>
+        <p:nvSpPr>
+          <p:cNvPr id="3" name="Picture Placeholder 2"/>
+          <p:cNvSpPr>
+            <a:spLocks noGrp="1"/>
+          </p:cNvSpPr>
+          <p:nvPr>
+            <p:ph type="pic" idx="1"/>
+          </p:nvPr>
+        </p:nvSpPr>
+        <p:spPr/>
+      </p:sp>
+      <p:sp>
+        <p:nvSpPr>
+          <p:cNvPr id="4" name="Text Placeholder 3"/>
+          <p:cNvSpPr>
+            <a:spLocks noGrp="1"/>
+          </p:cNvSpPr>
+          <p:nvPr>
+            <p:ph type="body" sz="half" idx="2"/>
+          </p:nvPr>
+        </p:nvSpPr>
+        <p:spPr/>
+        <p:txBody>
+          <a:bodyPr/>
+          <a:lstStyle/>
+          <a:p>
+            <a:endParaRPr lang="en-US"/>
+          </a:p>
+        </p:txBody>
+      </p:sp>
+    </p:spTree>
+    <p:extLst>
+      <p:ext uri="{BB962C8B-B14F-4D97-AF65-F5344CB8AC3E}">
+        <p14:creationId xmlns:p14="http://schemas.microsoft.com/office/powerpoint/2010/main" val="4129637498"/>
+      </p:ext>
+    </p:extLst>
+  </p:cSld>
+  <p:clrMapOvr>
+    <a:masterClrMapping/>
+  </p:clrMapOvr>
+  <p:timing>
+    <p:tnLst>
+      <p:par>
+        <p:cTn id="1" dur="indefinite" restart="never" nodeType="tmRoot"/>
+      </p:par>
+    </p:tnLst>
+  </p:timing>
+</p:sld>
+</file>
+
+<file path=ppt/slides/slide4.xml><?xml version="1.0" encoding="utf-8"?>
+<p:sld xmlns:a="http://schemas.openxmlformats.org/drawingml/2006/main" xmlns:r="http://schemas.openxmlformats.org/officeDocument/2006/relationships" xmlns:p="http://schemas.openxmlformats.org/presentationml/2006/main">
+  <p:cSld>
+    <p:spTree>
+      <p:nvGrpSpPr>
+        <p:cNvPr id="1" name=""/>
+        <p:cNvGrpSpPr/>
+        <p:nvPr/>
+      </p:nvGrpSpPr>
+      <p:grpSpPr>
+        <a:xfrm>
+          <a:off x="0" y="0"/>
+          <a:ext cx="0" cy="0"/>
+          <a:chOff x="0" y="0"/>
+          <a:chExt cx="0" cy="0"/>
+        </a:xfrm>
+      </p:grpSpPr>
+      <p:sp>
+        <p:nvSpPr>
+          <p:cNvPr id="2" name="Title 1"/>
+          <p:cNvSpPr>
+            <a:spLocks noGrp="1"/>
+          </p:cNvSpPr>
+          <p:nvPr>
+            <p:ph type="title"/>
+          </p:nvPr>
+        </p:nvSpPr>
+        <p:spPr/>
+        <p:txBody>
+          <a:bodyPr/>
+          <a:lstStyle/>
+          <a:p>
+            <a:r>
+              <a:rPr lang="en-US" dirty="0" smtClean="0"/>
+              <a:t>Data Flow: </a:t>
+            </a:r>
+            <a:r>
+              <a:rPr lang="en-US" dirty="0" err="1" smtClean="0"/>
+              <a:t>valuz</a:t>
+            </a:r>
+            <a:endParaRPr lang="en-US" dirty="0"/>
+          </a:p>
+        </p:txBody>
+      </p:sp>
+      <p:sp>
+        <p:nvSpPr>
+          <p:cNvPr id="3" name="Picture Placeholder 2"/>
+          <p:cNvSpPr>
+            <a:spLocks noGrp="1"/>
+          </p:cNvSpPr>
+          <p:nvPr>
+            <p:ph type="pic" idx="1"/>
+          </p:nvPr>
+        </p:nvSpPr>
+        <p:spPr/>
+      </p:sp>
+      <p:sp>
+        <p:nvSpPr>
+          <p:cNvPr id="4" name="Text Placeholder 3"/>
+          <p:cNvSpPr>
+            <a:spLocks noGrp="1"/>
+          </p:cNvSpPr>
+          <p:nvPr>
+            <p:ph type="body" sz="half" idx="2"/>
+          </p:nvPr>
+        </p:nvSpPr>
+        <p:spPr/>
+        <p:txBody>
+          <a:bodyPr/>
+          <a:lstStyle/>
+          <a:p>
+            <a:endParaRPr lang="en-US"/>
+          </a:p>
+        </p:txBody>
+      </p:sp>
+    </p:spTree>
+    <p:extLst>
+      <p:ext uri="{BB962C8B-B14F-4D97-AF65-F5344CB8AC3E}">
+        <p14:creationId xmlns:p14="http://schemas.microsoft.com/office/powerpoint/2010/main" val="2346652247"/>
+      </p:ext>
+    </p:extLst>
+  </p:cSld>
+  <p:clrMapOvr>
+    <a:masterClrMapping/>
+  </p:clrMapOvr>
+  <p:timing>
+    <p:tnLst>
+      <p:par>
+        <p:cTn id="1" dur="indefinite" restart="never" nodeType="tmRoot"/>
+      </p:par>
+    </p:tnLst>
+  </p:timing>
+</p:sld>
+</file>
+
+<file path=ppt/slides/slide5.xml><?xml version="1.0" encoding="utf-8"?>
+<p:sld xmlns:a="http://schemas.openxmlformats.org/drawingml/2006/main" xmlns:r="http://schemas.openxmlformats.org/officeDocument/2006/relationships" xmlns:p="http://schemas.openxmlformats.org/presentationml/2006/main">
+  <p:cSld>
+    <p:spTree>
+      <p:nvGrpSpPr>
+        <p:cNvPr id="1" name=""/>
+        <p:cNvGrpSpPr/>
+        <p:nvPr/>
+      </p:nvGrpSpPr>
+      <p:grpSpPr>
+        <a:xfrm>
+          <a:off x="0" y="0"/>
+          <a:ext cx="0" cy="0"/>
+          <a:chOff x="0" y="0"/>
+          <a:chExt cx="0" cy="0"/>
+        </a:xfrm>
+      </p:grpSpPr>
+      <p:sp>
+        <p:nvSpPr>
+          <p:cNvPr id="2" name="Title 1"/>
+          <p:cNvSpPr>
+            <a:spLocks noGrp="1"/>
+          </p:cNvSpPr>
+          <p:nvPr>
+            <p:ph type="title"/>
+          </p:nvPr>
+        </p:nvSpPr>
+        <p:spPr/>
+        <p:txBody>
+          <a:bodyPr/>
+          <a:lstStyle/>
+          <a:p>
+            <a:r>
+              <a:rPr lang="en-US" dirty="0" smtClean="0"/>
+              <a:t>Data Flow: </a:t>
+            </a:r>
+            <a:r>
+              <a:rPr lang="en-US" dirty="0" err="1" smtClean="0"/>
+              <a:t>dealz</a:t>
+            </a:r>
+            <a:endParaRPr lang="en-US" dirty="0"/>
+          </a:p>
+        </p:txBody>
+      </p:sp>
+      <p:sp>
+        <p:nvSpPr>
+          <p:cNvPr id="3" name="Picture Placeholder 2"/>
+          <p:cNvSpPr>
+            <a:spLocks noGrp="1"/>
+          </p:cNvSpPr>
+          <p:nvPr>
+            <p:ph type="pic" idx="1"/>
+          </p:nvPr>
+        </p:nvSpPr>
+        <p:spPr/>
+      </p:sp>
+      <p:sp>
+        <p:nvSpPr>
+          <p:cNvPr id="4" name="Text Placeholder 3"/>
+          <p:cNvSpPr>
+            <a:spLocks noGrp="1"/>
+          </p:cNvSpPr>
+          <p:nvPr>
+            <p:ph type="body" sz="half" idx="2"/>
+          </p:nvPr>
+        </p:nvSpPr>
+        <p:spPr/>
+        <p:txBody>
+          <a:bodyPr/>
+          <a:lstStyle/>
+          <a:p>
+            <a:endParaRPr lang="en-US"/>
+          </a:p>
+        </p:txBody>
+      </p:sp>
+    </p:spTree>
+    <p:extLst>
+      <p:ext uri="{BB962C8B-B14F-4D97-AF65-F5344CB8AC3E}">
+        <p14:creationId xmlns:p14="http://schemas.microsoft.com/office/powerpoint/2010/main" val="3936694220"/>
       </p:ext>
     </p:extLst>
   </p:cSld>
